--- a/curso Data Science aula 05 map reduce filter lambda.pptx
+++ b/curso Data Science aula 05 map reduce filter lambda.pptx
@@ -131,6 +131,11 @@
       </a:defRPr>
     </a:lvl9pPr>
   </p:defaultTextStyle>
+  <p:extLst>
+    <p:ext uri="{EFAFB233-063F-42B5-8137-9DF3F51BA10A}">
+      <p15:sldGuideLst xmlns:p15="http://schemas.microsoft.com/office/powerpoint/2012/main"/>
+    </p:ext>
+  </p:extLst>
 </p:presentation>
 </file>
 
@@ -281,7 +286,7 @@
           <a:p>
             <a:fld id="{8B3AD819-941C-4357-8FD1-20D78613E145}" type="datetimeFigureOut">
               <a:rPr lang="pt-BR" smtClean="0"/>
-              <a:t>10/12/2022</a:t>
+              <a:t>19/12/2022</a:t>
             </a:fld>
             <a:endParaRPr lang="pt-BR"/>
           </a:p>
@@ -479,7 +484,7 @@
           <a:p>
             <a:fld id="{8B3AD819-941C-4357-8FD1-20D78613E145}" type="datetimeFigureOut">
               <a:rPr lang="pt-BR" smtClean="0"/>
-              <a:t>10/12/2022</a:t>
+              <a:t>19/12/2022</a:t>
             </a:fld>
             <a:endParaRPr lang="pt-BR"/>
           </a:p>
@@ -687,7 +692,7 @@
           <a:p>
             <a:fld id="{8B3AD819-941C-4357-8FD1-20D78613E145}" type="datetimeFigureOut">
               <a:rPr lang="pt-BR" smtClean="0"/>
-              <a:t>10/12/2022</a:t>
+              <a:t>19/12/2022</a:t>
             </a:fld>
             <a:endParaRPr lang="pt-BR"/>
           </a:p>
@@ -885,7 +890,7 @@
           <a:p>
             <a:fld id="{8B3AD819-941C-4357-8FD1-20D78613E145}" type="datetimeFigureOut">
               <a:rPr lang="pt-BR" smtClean="0"/>
-              <a:t>10/12/2022</a:t>
+              <a:t>19/12/2022</a:t>
             </a:fld>
             <a:endParaRPr lang="pt-BR"/>
           </a:p>
@@ -1160,7 +1165,7 @@
           <a:p>
             <a:fld id="{8B3AD819-941C-4357-8FD1-20D78613E145}" type="datetimeFigureOut">
               <a:rPr lang="pt-BR" smtClean="0"/>
-              <a:t>10/12/2022</a:t>
+              <a:t>19/12/2022</a:t>
             </a:fld>
             <a:endParaRPr lang="pt-BR"/>
           </a:p>
@@ -1425,7 +1430,7 @@
           <a:p>
             <a:fld id="{8B3AD819-941C-4357-8FD1-20D78613E145}" type="datetimeFigureOut">
               <a:rPr lang="pt-BR" smtClean="0"/>
-              <a:t>10/12/2022</a:t>
+              <a:t>19/12/2022</a:t>
             </a:fld>
             <a:endParaRPr lang="pt-BR"/>
           </a:p>
@@ -1837,7 +1842,7 @@
           <a:p>
             <a:fld id="{8B3AD819-941C-4357-8FD1-20D78613E145}" type="datetimeFigureOut">
               <a:rPr lang="pt-BR" smtClean="0"/>
-              <a:t>10/12/2022</a:t>
+              <a:t>19/12/2022</a:t>
             </a:fld>
             <a:endParaRPr lang="pt-BR"/>
           </a:p>
@@ -1978,7 +1983,7 @@
           <a:p>
             <a:fld id="{8B3AD819-941C-4357-8FD1-20D78613E145}" type="datetimeFigureOut">
               <a:rPr lang="pt-BR" smtClean="0"/>
-              <a:t>10/12/2022</a:t>
+              <a:t>19/12/2022</a:t>
             </a:fld>
             <a:endParaRPr lang="pt-BR"/>
           </a:p>
@@ -2091,7 +2096,7 @@
           <a:p>
             <a:fld id="{8B3AD819-941C-4357-8FD1-20D78613E145}" type="datetimeFigureOut">
               <a:rPr lang="pt-BR" smtClean="0"/>
-              <a:t>10/12/2022</a:t>
+              <a:t>19/12/2022</a:t>
             </a:fld>
             <a:endParaRPr lang="pt-BR"/>
           </a:p>
@@ -2402,7 +2407,7 @@
           <a:p>
             <a:fld id="{8B3AD819-941C-4357-8FD1-20D78613E145}" type="datetimeFigureOut">
               <a:rPr lang="pt-BR" smtClean="0"/>
-              <a:t>10/12/2022</a:t>
+              <a:t>19/12/2022</a:t>
             </a:fld>
             <a:endParaRPr lang="pt-BR"/>
           </a:p>
@@ -2690,7 +2695,7 @@
           <a:p>
             <a:fld id="{8B3AD819-941C-4357-8FD1-20D78613E145}" type="datetimeFigureOut">
               <a:rPr lang="pt-BR" smtClean="0"/>
-              <a:t>10/12/2022</a:t>
+              <a:t>19/12/2022</a:t>
             </a:fld>
             <a:endParaRPr lang="pt-BR"/>
           </a:p>
@@ -2931,7 +2936,7 @@
           <a:p>
             <a:fld id="{8B3AD819-941C-4357-8FD1-20D78613E145}" type="datetimeFigureOut">
               <a:rPr lang="pt-BR" smtClean="0"/>
-              <a:t>10/12/2022</a:t>
+              <a:t>19/12/2022</a:t>
             </a:fld>
             <a:endParaRPr lang="pt-BR"/>
           </a:p>
